--- a/Git&GitHub 강의자료-2일차.pptx
+++ b/Git&GitHub 강의자료-2일차.pptx
@@ -10557,7 +10557,7 @@
                 </a:solidFill>
                 <a:latin typeface="맑은 고딕" pitchFamily="50" charset="-127"/>
               </a:rPr>
-              <a:t>54</a:t>
+              <a:t>26</a:t>
             </a:r>
             <a:endParaRPr lang="es-ES" altLang="ko-KR" sz="1050" b="1" dirty="0">
               <a:solidFill>
@@ -15425,15 +15425,7 @@
           <a:p>
             <a:r>
               <a:rPr lang="en-US" altLang="ko-KR"/>
-              <a:t>2</a:t>
-            </a:r>
-            <a:r>
-              <a:rPr lang="ko-KR" altLang="en-US"/>
-              <a:t>일차</a:t>
-            </a:r>
-            <a:r>
-              <a:rPr lang="en-US" altLang="ko-KR"/>
-              <a:t>: Git </a:t>
+              <a:t>Git </a:t>
             </a:r>
             <a:r>
               <a:rPr lang="ko-KR" altLang="en-US"/>
@@ -26095,14 +26087,6 @@
           <a:bodyPr/>
           <a:lstStyle/>
           <a:p>
-            <a:r>
-              <a:rPr lang="en-US" altLang="ko-KR"/>
-              <a:t>Branch</a:t>
-            </a:r>
-            <a:r>
-              <a:rPr lang="ko-KR" altLang="en-US"/>
-              <a:t> 개념</a:t>
-            </a:r>
             <a:endParaRPr lang="en-US" altLang="ko-KR"/>
           </a:p>
           <a:p>
@@ -26112,7 +26096,7 @@
             </a:r>
             <a:r>
               <a:rPr lang="ko-KR" altLang="en-US"/>
-              <a:t> 만들기 및 이동하기</a:t>
+              <a:t> 개념</a:t>
             </a:r>
             <a:endParaRPr lang="en-US" altLang="ko-KR"/>
           </a:p>
@@ -26123,23 +26107,56 @@
             </a:r>
             <a:r>
               <a:rPr lang="ko-KR" altLang="en-US"/>
-              <a:t>에서 커밋하기</a:t>
+              <a:t> 만들기 및 이동하기</a:t>
             </a:r>
             <a:endParaRPr lang="en-US" altLang="ko-KR"/>
           </a:p>
           <a:p>
             <a:r>
               <a:rPr lang="en-US" altLang="ko-KR"/>
-              <a:t>Branch </a:t>
+              <a:t>Branch</a:t>
             </a:r>
             <a:r>
               <a:rPr lang="ko-KR" altLang="en-US"/>
-              <a:t>병합하기</a:t>
+              <a:t>에서 커밋하기</a:t>
             </a:r>
             <a:endParaRPr lang="en-US" altLang="ko-KR"/>
           </a:p>
           <a:p>
-            <a:endParaRPr lang="ko-KR" altLang="en-US"/>
+            <a:r>
+              <a:rPr lang="en-US" altLang="ko-KR"/>
+              <a:t>Branch </a:t>
+            </a:r>
+            <a:r>
+              <a:rPr lang="ko-KR" altLang="en-US"/>
+              <a:t>병합하기</a:t>
+            </a:r>
+            <a:endParaRPr lang="en-US" altLang="ko-KR"/>
+          </a:p>
+          <a:p>
+            <a:r>
+              <a:rPr lang="en-US" altLang="ko-KR"/>
+              <a:t>Branch </a:t>
+            </a:r>
+            <a:r>
+              <a:rPr lang="ko-KR" altLang="en-US"/>
+              <a:t>삭제하기</a:t>
+            </a:r>
+            <a:endParaRPr lang="en-US" altLang="ko-KR"/>
+          </a:p>
+          <a:p>
+            <a:r>
+              <a:rPr lang="ko-KR" altLang="en-US"/>
+              <a:t>특정 </a:t>
+            </a:r>
+            <a:r>
+              <a:rPr lang="en-US" altLang="ko-KR"/>
+              <a:t>commit </a:t>
+            </a:r>
+            <a:r>
+              <a:rPr lang="ko-KR" altLang="en-US"/>
+              <a:t>병합</a:t>
+            </a:r>
           </a:p>
         </p:txBody>
       </p:sp>
@@ -37575,70 +37592,6 @@
               <a:t>추적과 관리를 체계적으로 할 수 있음</a:t>
             </a:r>
             <a:endParaRPr lang="ko-KR" altLang="en-US"/>
-          </a:p>
-        </p:txBody>
-      </p:sp>
-      <p:sp>
-        <p:nvSpPr>
-          <p:cNvPr id="7" name="TextBox 6">
-            <a:extLst>
-              <a:ext uri="{FF2B5EF4-FFF2-40B4-BE49-F238E27FC236}">
-                <a16:creationId xmlns:a16="http://schemas.microsoft.com/office/drawing/2014/main" id="{A7D96A14-3068-BD0F-9543-C22F41AE7B88}"/>
-              </a:ext>
-            </a:extLst>
-          </p:cNvPr>
-          <p:cNvSpPr txBox="1"/>
-          <p:nvPr/>
-        </p:nvSpPr>
-        <p:spPr>
-          <a:xfrm>
-            <a:off x="2158958" y="4678286"/>
-            <a:ext cx="2938625" cy="215444"/>
-          </a:xfrm>
-          <a:prstGeom prst="rect">
-            <a:avLst/>
-          </a:prstGeom>
-          <a:noFill/>
-        </p:spPr>
-        <p:txBody>
-          <a:bodyPr wrap="none" rtlCol="0">
-            <a:spAutoFit/>
-          </a:bodyPr>
-          <a:lstStyle/>
-          <a:p>
-            <a:r>
-              <a:rPr lang="ko-KR" altLang="en-US" sz="800">
-                <a:solidFill>
-                  <a:schemeClr val="bg1">
-                    <a:lumMod val="75000"/>
-                  </a:schemeClr>
-                </a:solidFill>
-                <a:latin typeface="나눔스퀘어" panose="020B0600000101010101" pitchFamily="50" charset="-127"/>
-                <a:ea typeface="나눔스퀘어" panose="020B0600000101010101" pitchFamily="50" charset="-127"/>
-              </a:rPr>
-              <a:t>출처</a:t>
-            </a:r>
-            <a:r>
-              <a:rPr lang="en-US" altLang="ko-KR" sz="800">
-                <a:solidFill>
-                  <a:schemeClr val="bg1">
-                    <a:lumMod val="75000"/>
-                  </a:schemeClr>
-                </a:solidFill>
-                <a:latin typeface="나눔스퀘어" panose="020B0600000101010101" pitchFamily="50" charset="-127"/>
-                <a:ea typeface="나눔스퀘어" panose="020B0600000101010101" pitchFamily="50" charset="-127"/>
-              </a:rPr>
-              <a:t>: https://leetrue.hashnode.dev/branch-merge-strategy</a:t>
-            </a:r>
-            <a:endParaRPr lang="ko-KR" altLang="en-US" sz="800">
-              <a:solidFill>
-                <a:schemeClr val="bg1">
-                  <a:lumMod val="75000"/>
-                </a:schemeClr>
-              </a:solidFill>
-              <a:latin typeface="나눔스퀘어" panose="020B0600000101010101" pitchFamily="50" charset="-127"/>
-              <a:ea typeface="나눔스퀘어" panose="020B0600000101010101" pitchFamily="50" charset="-127"/>
-            </a:endParaRPr>
           </a:p>
         </p:txBody>
       </p:sp>
